--- a/03_data_collection/99_Project_Kayak/01_kayak_project.pptx
+++ b/03_data_collection/99_Project_Kayak/01_kayak_project.pptx
@@ -124,7 +124,7 @@
 <file path=ppt/revisionInfo.xml><?xml version="1.0" encoding="utf-8"?>
 <p1510:revInfo xmlns:a="http://schemas.openxmlformats.org/drawingml/2006/main" xmlns:r="http://schemas.openxmlformats.org/officeDocument/2006/relationships" xmlns:p1510="http://schemas.microsoft.com/office/powerpoint/2015/10/main">
   <p1510:revLst>
-    <p1510:client id="{1527D352-431F-46B2-B7FF-4AE38ADEBEBC}" v="2" dt="2024-08-24T09:43:10.347"/>
+    <p1510:client id="{1527D352-431F-46B2-B7FF-4AE38ADEBEBC}" v="3" dt="2024-08-26T09:19:19.703"/>
   </p1510:revLst>
 </p1510:revInfo>
 </file>
@@ -133,13 +133,13 @@
 <pc:chgInfo xmlns:a="http://schemas.openxmlformats.org/drawingml/2006/main" xmlns:r="http://schemas.openxmlformats.org/officeDocument/2006/relationships" xmlns:ac="http://schemas.microsoft.com/office/drawing/2013/main/command" xmlns:pc="http://schemas.microsoft.com/office/powerpoint/2013/main/command">
   <pc:docChgLst>
     <pc:chgData name="Philippe Baucour" userId="5102170ae7533958" providerId="LiveId" clId="{1527D352-431F-46B2-B7FF-4AE38ADEBEBC}"/>
-    <pc:docChg chg="custSel addSld modSld sldOrd">
-      <pc:chgData name="Philippe Baucour" userId="5102170ae7533958" providerId="LiveId" clId="{1527D352-431F-46B2-B7FF-4AE38ADEBEBC}" dt="2024-08-24T09:43:11.368" v="86" actId="27636"/>
+    <pc:docChg chg="undo custSel addSld modSld sldOrd">
+      <pc:chgData name="Philippe Baucour" userId="5102170ae7533958" providerId="LiveId" clId="{1527D352-431F-46B2-B7FF-4AE38ADEBEBC}" dt="2024-08-26T09:19:24.733" v="132" actId="20577"/>
       <pc:docMkLst>
         <pc:docMk/>
       </pc:docMkLst>
-      <pc:sldChg chg="modSp mod">
-        <pc:chgData name="Philippe Baucour" userId="5102170ae7533958" providerId="LiveId" clId="{1527D352-431F-46B2-B7FF-4AE38ADEBEBC}" dt="2024-08-24T09:43:11.368" v="86" actId="27636"/>
+      <pc:sldChg chg="modSp mod modNotesTx">
+        <pc:chgData name="Philippe Baucour" userId="5102170ae7533958" providerId="LiveId" clId="{1527D352-431F-46B2-B7FF-4AE38ADEBEBC}" dt="2024-08-26T08:41:57.986" v="129" actId="12"/>
         <pc:sldMkLst>
           <pc:docMk/>
           <pc:sldMk cId="1392602265" sldId="256"/>
@@ -154,13 +154,13 @@
         </pc:spChg>
       </pc:sldChg>
       <pc:sldChg chg="modSp mod">
-        <pc:chgData name="Philippe Baucour" userId="5102170ae7533958" providerId="LiveId" clId="{1527D352-431F-46B2-B7FF-4AE38ADEBEBC}" dt="2024-08-20T12:40:19.249" v="3" actId="6549"/>
+        <pc:chgData name="Philippe Baucour" userId="5102170ae7533958" providerId="LiveId" clId="{1527D352-431F-46B2-B7FF-4AE38ADEBEBC}" dt="2024-08-26T09:19:24.733" v="132" actId="20577"/>
         <pc:sldMkLst>
           <pc:docMk/>
           <pc:sldMk cId="3201622378" sldId="257"/>
         </pc:sldMkLst>
         <pc:spChg chg="mod">
-          <ac:chgData name="Philippe Baucour" userId="5102170ae7533958" providerId="LiveId" clId="{1527D352-431F-46B2-B7FF-4AE38ADEBEBC}" dt="2024-08-20T12:40:19.249" v="3" actId="6549"/>
+          <ac:chgData name="Philippe Baucour" userId="5102170ae7533958" providerId="LiveId" clId="{1527D352-431F-46B2-B7FF-4AE38ADEBEBC}" dt="2024-08-26T09:19:24.733" v="132" actId="20577"/>
           <ac:spMkLst>
             <pc:docMk/>
             <pc:sldMk cId="3201622378" sldId="257"/>
@@ -293,7 +293,7 @@
           <a:p>
             <a:fld id="{FD1752CD-A7D2-4825-BC26-9DAEFBD0A5FF}" type="datetimeFigureOut">
               <a:rPr lang="fr-FR" smtClean="0"/>
-              <a:t>24/08/2024</a:t>
+              <a:t>26/08/2024</a:t>
             </a:fld>
             <a:endParaRPr lang="fr-FR"/>
           </a:p>
@@ -604,6 +604,271 @@
           <a:bodyPr/>
           <a:lstStyle/>
           <a:p>
+            <a:r>
+              <a:rPr lang="fr-FR" b="1" dirty="0" err="1"/>
+              <a:t>Criteria</a:t>
+            </a:r>
+            <a:r>
+              <a:rPr lang="fr-FR" b="1" dirty="0"/>
+              <a:t> :</a:t>
+            </a:r>
+          </a:p>
+          <a:p>
+            <a:endParaRPr lang="fr-FR" b="1" dirty="0"/>
+          </a:p>
+          <a:p>
+            <a:pPr algn="l">
+              <a:buFont typeface="Arial" panose="020B0604020202020204" pitchFamily="34" charset="0"/>
+              <a:buNone/>
+            </a:pPr>
+            <a:r>
+              <a:rPr lang="en-US" b="0" i="0" dirty="0">
+                <a:solidFill>
+                  <a:srgbClr val="1F2123"/>
+                </a:solidFill>
+                <a:effectLst/>
+                <a:highlight>
+                  <a:srgbClr val="FBFDFF"/>
+                </a:highlight>
+                <a:latin typeface="Inter"/>
+              </a:rPr>
+              <a:t>The proposed infrastructure for storing, collecting and making available data meets the needs defined in the specifications and is efficient:</a:t>
+            </a:r>
+          </a:p>
+          <a:p>
+            <a:pPr algn="l">
+              <a:buFont typeface="Arial" panose="020B0604020202020204" pitchFamily="34" charset="0"/>
+              <a:buNone/>
+            </a:pPr>
+            <a:endParaRPr lang="en-US" b="0" i="0" dirty="0">
+              <a:solidFill>
+                <a:srgbClr val="1F2123"/>
+              </a:solidFill>
+              <a:effectLst/>
+              <a:highlight>
+                <a:srgbClr val="FBFDFF"/>
+              </a:highlight>
+              <a:latin typeface="Inter"/>
+            </a:endParaRPr>
+          </a:p>
+          <a:p>
+            <a:pPr marL="171450" indent="-171450" algn="l">
+              <a:buFont typeface="Arial" panose="020B0604020202020204" pitchFamily="34" charset="0"/>
+              <a:buChar char="•"/>
+            </a:pPr>
+            <a:r>
+              <a:rPr lang="en-US" b="0" i="0" dirty="0">
+                <a:solidFill>
+                  <a:srgbClr val="1F2123"/>
+                </a:solidFill>
+                <a:effectLst/>
+                <a:highlight>
+                  <a:srgbClr val="FBFDFF"/>
+                </a:highlight>
+                <a:latin typeface="Inter"/>
+              </a:rPr>
+              <a:t>Simplicity of the proposed infrastructure scheme</a:t>
+            </a:r>
+          </a:p>
+          <a:p>
+            <a:pPr marL="171450" indent="-171450" algn="l">
+              <a:buFont typeface="Arial" panose="020B0604020202020204" pitchFamily="34" charset="0"/>
+              <a:buChar char="•"/>
+            </a:pPr>
+            <a:r>
+              <a:rPr lang="en-US" b="0" i="0" dirty="0">
+                <a:solidFill>
+                  <a:srgbClr val="1F2123"/>
+                </a:solidFill>
+                <a:effectLst/>
+                <a:highlight>
+                  <a:srgbClr val="FBFDFF"/>
+                </a:highlight>
+                <a:latin typeface="Inter"/>
+              </a:rPr>
+              <a:t>Storage capacity of the proposed infrastructure scheme (can accommodate Big Data)</a:t>
+            </a:r>
+          </a:p>
+          <a:p>
+            <a:pPr marL="171450" indent="-171450" algn="l">
+              <a:buFont typeface="Arial" panose="020B0604020202020204" pitchFamily="34" charset="0"/>
+              <a:buChar char="•"/>
+            </a:pPr>
+            <a:r>
+              <a:rPr lang="en-US" b="0" i="0" dirty="0">
+                <a:solidFill>
+                  <a:srgbClr val="1F2123"/>
+                </a:solidFill>
+                <a:effectLst/>
+                <a:highlight>
+                  <a:srgbClr val="FBFDFF"/>
+                </a:highlight>
+                <a:latin typeface="Inter"/>
+              </a:rPr>
+              <a:t>Optimization of the construction costs of the proposed infrastructure scheme</a:t>
+            </a:r>
+          </a:p>
+          <a:p>
+            <a:pPr marL="171450" indent="-171450" algn="l">
+              <a:buFont typeface="Arial" panose="020B0604020202020204" pitchFamily="34" charset="0"/>
+              <a:buChar char="•"/>
+            </a:pPr>
+            <a:r>
+              <a:rPr lang="en-US" b="0" i="0" dirty="0">
+                <a:solidFill>
+                  <a:srgbClr val="1F2123"/>
+                </a:solidFill>
+                <a:effectLst/>
+                <a:highlight>
+                  <a:srgbClr val="FBFDFF"/>
+                </a:highlight>
+                <a:latin typeface="Inter"/>
+              </a:rPr>
+              <a:t>Quality of the data extracted from the web to the Data lake</a:t>
+            </a:r>
+          </a:p>
+          <a:p>
+            <a:pPr marL="171450" indent="-171450" algn="l">
+              <a:buFont typeface="Arial" panose="020B0604020202020204" pitchFamily="34" charset="0"/>
+              <a:buChar char="•"/>
+            </a:pPr>
+            <a:r>
+              <a:rPr lang="en-US" b="0" i="0" dirty="0">
+                <a:solidFill>
+                  <a:srgbClr val="1F2123"/>
+                </a:solidFill>
+                <a:effectLst/>
+                <a:highlight>
+                  <a:srgbClr val="FBFDFF"/>
+                </a:highlight>
+                <a:latin typeface="Inter"/>
+              </a:rPr>
+              <a:t>Accessibility of the data available in the Data Warehouse</a:t>
+            </a:r>
+          </a:p>
+          <a:p>
+            <a:pPr marL="171450" indent="-171450" algn="l">
+              <a:buFont typeface="Arial" panose="020B0604020202020204" pitchFamily="34" charset="0"/>
+              <a:buChar char="•"/>
+            </a:pPr>
+            <a:r>
+              <a:rPr lang="en-US" b="0" i="0" dirty="0">
+                <a:solidFill>
+                  <a:srgbClr val="1F2123"/>
+                </a:solidFill>
+                <a:effectLst/>
+                <a:highlight>
+                  <a:srgbClr val="FBFDFF"/>
+                </a:highlight>
+                <a:latin typeface="Inter"/>
+              </a:rPr>
+              <a:t>Robustness and efficiency of the ETL process built</a:t>
+            </a:r>
+          </a:p>
+          <a:p>
+            <a:pPr marL="171450" indent="-171450" algn="l">
+              <a:buFont typeface="Arial" panose="020B0604020202020204" pitchFamily="34" charset="0"/>
+              <a:buChar char="•"/>
+            </a:pPr>
+            <a:r>
+              <a:rPr lang="en-US" b="0" i="0" dirty="0">
+                <a:solidFill>
+                  <a:srgbClr val="1F2123"/>
+                </a:solidFill>
+                <a:effectLst/>
+                <a:highlight>
+                  <a:srgbClr val="FBFDFF"/>
+                </a:highlight>
+                <a:latin typeface="Inter"/>
+              </a:rPr>
+              <a:t>Compliance of the data collection process with the user data protection standards defined in the RGPD</a:t>
+            </a:r>
+          </a:p>
+          <a:p>
+            <a:endParaRPr lang="fr-FR" dirty="0"/>
+          </a:p>
+        </p:txBody>
+      </p:sp>
+      <p:sp>
+        <p:nvSpPr>
+          <p:cNvPr id="4" name="Espace réservé du numéro de diapositive 3"/>
+          <p:cNvSpPr>
+            <a:spLocks noGrp="1"/>
+          </p:cNvSpPr>
+          <p:nvPr>
+            <p:ph type="sldNum" sz="quarter" idx="5"/>
+          </p:nvPr>
+        </p:nvSpPr>
+        <p:spPr/>
+        <p:txBody>
+          <a:bodyPr/>
+          <a:lstStyle/>
+          <a:p>
+            <a:fld id="{341AEC00-4977-4C47-A11B-52155DC12F54}" type="slidenum">
+              <a:rPr lang="fr-FR" smtClean="0"/>
+              <a:t>1</a:t>
+            </a:fld>
+            <a:endParaRPr lang="fr-FR"/>
+          </a:p>
+        </p:txBody>
+      </p:sp>
+    </p:spTree>
+    <p:extLst>
+      <p:ext uri="{BB962C8B-B14F-4D97-AF65-F5344CB8AC3E}">
+        <p14:creationId xmlns:p14="http://schemas.microsoft.com/office/powerpoint/2010/main" val="3158609639"/>
+      </p:ext>
+    </p:extLst>
+  </p:cSld>
+  <p:clrMapOvr>
+    <a:masterClrMapping/>
+  </p:clrMapOvr>
+</p:notes>
+</file>
+
+<file path=ppt/notesSlides/notesSlide2.xml><?xml version="1.0" encoding="utf-8"?>
+<p:notes xmlns:a="http://schemas.openxmlformats.org/drawingml/2006/main" xmlns:r="http://schemas.openxmlformats.org/officeDocument/2006/relationships" xmlns:p="http://schemas.openxmlformats.org/presentationml/2006/main">
+  <p:cSld>
+    <p:spTree>
+      <p:nvGrpSpPr>
+        <p:cNvPr id="1" name=""/>
+        <p:cNvGrpSpPr/>
+        <p:nvPr/>
+      </p:nvGrpSpPr>
+      <p:grpSpPr>
+        <a:xfrm>
+          <a:off x="0" y="0"/>
+          <a:ext cx="0" cy="0"/>
+          <a:chOff x="0" y="0"/>
+          <a:chExt cx="0" cy="0"/>
+        </a:xfrm>
+      </p:grpSpPr>
+      <p:sp>
+        <p:nvSpPr>
+          <p:cNvPr id="2" name="Espace réservé de l'image des diapositives 1"/>
+          <p:cNvSpPr>
+            <a:spLocks noGrp="1" noRot="1" noChangeAspect="1"/>
+          </p:cNvSpPr>
+          <p:nvPr>
+            <p:ph type="sldImg"/>
+          </p:nvPr>
+        </p:nvSpPr>
+        <p:spPr/>
+      </p:sp>
+      <p:sp>
+        <p:nvSpPr>
+          <p:cNvPr id="3" name="Espace réservé des notes 2"/>
+          <p:cNvSpPr>
+            <a:spLocks noGrp="1"/>
+          </p:cNvSpPr>
+          <p:nvPr>
+            <p:ph type="body" idx="1"/>
+          </p:nvPr>
+        </p:nvSpPr>
+        <p:spPr/>
+        <p:txBody>
+          <a:bodyPr/>
+          <a:lstStyle/>
+          <a:p>
             <a:pPr marL="171450" marR="0" lvl="0" indent="-171450" algn="l" defTabSz="914400" rtl="0" eaLnBrk="1" fontAlgn="auto" latinLnBrk="0" hangingPunct="1">
               <a:lnSpc>
                 <a:spcPct val="100000"/>
@@ -887,7 +1152,7 @@
 </p:notes>
 </file>
 
-<file path=ppt/notesSlides/notesSlide2.xml><?xml version="1.0" encoding="utf-8"?>
+<file path=ppt/notesSlides/notesSlide3.xml><?xml version="1.0" encoding="utf-8"?>
 <p:notes xmlns:a="http://schemas.openxmlformats.org/drawingml/2006/main" xmlns:r="http://schemas.openxmlformats.org/officeDocument/2006/relationships" xmlns:p="http://schemas.openxmlformats.org/presentationml/2006/main">
   <p:cSld>
     <p:spTree>
@@ -1131,7 +1396,7 @@
 </p:notes>
 </file>
 
-<file path=ppt/notesSlides/notesSlide3.xml><?xml version="1.0" encoding="utf-8"?>
+<file path=ppt/notesSlides/notesSlide4.xml><?xml version="1.0" encoding="utf-8"?>
 <p:notes xmlns:a="http://schemas.openxmlformats.org/drawingml/2006/main" xmlns:r="http://schemas.openxmlformats.org/officeDocument/2006/relationships" xmlns:p="http://schemas.openxmlformats.org/presentationml/2006/main">
   <p:cSld>
     <p:spTree>
@@ -1706,7 +1971,7 @@
           <a:p>
             <a:fld id="{7ECB9D5A-E5E4-41FE-AF39-634902D6D5D2}" type="datetimeFigureOut">
               <a:rPr lang="fr-FR" smtClean="0"/>
-              <a:t>24/08/2024</a:t>
+              <a:t>26/08/2024</a:t>
             </a:fld>
             <a:endParaRPr lang="fr-FR"/>
           </a:p>
@@ -1904,7 +2169,7 @@
           <a:p>
             <a:fld id="{7ECB9D5A-E5E4-41FE-AF39-634902D6D5D2}" type="datetimeFigureOut">
               <a:rPr lang="fr-FR" smtClean="0"/>
-              <a:t>24/08/2024</a:t>
+              <a:t>26/08/2024</a:t>
             </a:fld>
             <a:endParaRPr lang="fr-FR"/>
           </a:p>
@@ -2112,7 +2377,7 @@
           <a:p>
             <a:fld id="{7ECB9D5A-E5E4-41FE-AF39-634902D6D5D2}" type="datetimeFigureOut">
               <a:rPr lang="fr-FR" smtClean="0"/>
-              <a:t>24/08/2024</a:t>
+              <a:t>26/08/2024</a:t>
             </a:fld>
             <a:endParaRPr lang="fr-FR"/>
           </a:p>
@@ -2310,7 +2575,7 @@
           <a:p>
             <a:fld id="{7ECB9D5A-E5E4-41FE-AF39-634902D6D5D2}" type="datetimeFigureOut">
               <a:rPr lang="fr-FR" smtClean="0"/>
-              <a:t>24/08/2024</a:t>
+              <a:t>26/08/2024</a:t>
             </a:fld>
             <a:endParaRPr lang="fr-FR"/>
           </a:p>
@@ -2585,7 +2850,7 @@
           <a:p>
             <a:fld id="{7ECB9D5A-E5E4-41FE-AF39-634902D6D5D2}" type="datetimeFigureOut">
               <a:rPr lang="fr-FR" smtClean="0"/>
-              <a:t>24/08/2024</a:t>
+              <a:t>26/08/2024</a:t>
             </a:fld>
             <a:endParaRPr lang="fr-FR"/>
           </a:p>
@@ -2850,7 +3115,7 @@
           <a:p>
             <a:fld id="{7ECB9D5A-E5E4-41FE-AF39-634902D6D5D2}" type="datetimeFigureOut">
               <a:rPr lang="fr-FR" smtClean="0"/>
-              <a:t>24/08/2024</a:t>
+              <a:t>26/08/2024</a:t>
             </a:fld>
             <a:endParaRPr lang="fr-FR"/>
           </a:p>
@@ -3262,7 +3527,7 @@
           <a:p>
             <a:fld id="{7ECB9D5A-E5E4-41FE-AF39-634902D6D5D2}" type="datetimeFigureOut">
               <a:rPr lang="fr-FR" smtClean="0"/>
-              <a:t>24/08/2024</a:t>
+              <a:t>26/08/2024</a:t>
             </a:fld>
             <a:endParaRPr lang="fr-FR"/>
           </a:p>
@@ -3403,7 +3668,7 @@
           <a:p>
             <a:fld id="{7ECB9D5A-E5E4-41FE-AF39-634902D6D5D2}" type="datetimeFigureOut">
               <a:rPr lang="fr-FR" smtClean="0"/>
-              <a:t>24/08/2024</a:t>
+              <a:t>26/08/2024</a:t>
             </a:fld>
             <a:endParaRPr lang="fr-FR"/>
           </a:p>
@@ -3516,7 +3781,7 @@
           <a:p>
             <a:fld id="{7ECB9D5A-E5E4-41FE-AF39-634902D6D5D2}" type="datetimeFigureOut">
               <a:rPr lang="fr-FR" smtClean="0"/>
-              <a:t>24/08/2024</a:t>
+              <a:t>26/08/2024</a:t>
             </a:fld>
             <a:endParaRPr lang="fr-FR"/>
           </a:p>
@@ -3827,7 +4092,7 @@
           <a:p>
             <a:fld id="{7ECB9D5A-E5E4-41FE-AF39-634902D6D5D2}" type="datetimeFigureOut">
               <a:rPr lang="fr-FR" smtClean="0"/>
-              <a:t>24/08/2024</a:t>
+              <a:t>26/08/2024</a:t>
             </a:fld>
             <a:endParaRPr lang="fr-FR"/>
           </a:p>
@@ -4118,7 +4383,7 @@
           <a:p>
             <a:fld id="{7ECB9D5A-E5E4-41FE-AF39-634902D6D5D2}" type="datetimeFigureOut">
               <a:rPr lang="fr-FR" smtClean="0"/>
-              <a:t>24/08/2024</a:t>
+              <a:t>26/08/2024</a:t>
             </a:fld>
             <a:endParaRPr lang="fr-FR"/>
           </a:p>
@@ -4359,7 +4624,7 @@
           <a:p>
             <a:fld id="{7ECB9D5A-E5E4-41FE-AF39-634902D6D5D2}" type="datetimeFigureOut">
               <a:rPr lang="fr-FR" smtClean="0"/>
-              <a:t>24/08/2024</a:t>
+              <a:t>26/08/2024</a:t>
             </a:fld>
             <a:endParaRPr lang="fr-FR"/>
           </a:p>
@@ -4843,7 +5108,7 @@
             </a:r>
             <a:r>
               <a:rPr lang="fr-FR" sz="1400" dirty="0">
-                <a:hlinkClick r:id="rId2"/>
+                <a:hlinkClick r:id="rId3"/>
               </a:rPr>
               <a:t>philippe.baucour@gmail.com</a:t>
             </a:r>
@@ -4861,7 +5126,7 @@
             </a:r>
             <a:r>
               <a:rPr lang="fr-FR" sz="1400" dirty="0">
-                <a:hlinkClick r:id="rId3"/>
+                <a:hlinkClick r:id="rId4"/>
               </a:rPr>
               <a:t>https://app.jedha.co/course/project-plan-your-trip-with-kayak-ft/plan-your-trip-with-kayak-ft</a:t>
             </a:r>
@@ -4875,7 +5140,7 @@
             </a:r>
             <a:r>
               <a:rPr lang="fr-FR" sz="1400" dirty="0">
-                <a:hlinkClick r:id="rId4"/>
+                <a:hlinkClick r:id="rId5"/>
               </a:rPr>
               <a:t>https://github.com/40tude/fullstack_mars_2024_3/tree/main/03_data_collection/99_Project_Kayak</a:t>
             </a:r>
@@ -6083,6 +6348,10 @@
             <a:r>
               <a:rPr lang="fr-FR" dirty="0" err="1"/>
               <a:t>scrapying</a:t>
+            </a:r>
+            <a:r>
+              <a:rPr lang="fr-FR"/>
+              <a:t> 😊</a:t>
             </a:r>
             <a:endParaRPr lang="fr-FR" dirty="0"/>
           </a:p>

--- a/03_data_collection/99_Project_Kayak/01_kayak_project.pptx
+++ b/03_data_collection/99_Project_Kayak/01_kayak_project.pptx
@@ -134,7 +134,7 @@
   <pc:docChgLst>
     <pc:chgData name="Philippe Baucour" userId="5102170ae7533958" providerId="LiveId" clId="{1527D352-431F-46B2-B7FF-4AE38ADEBEBC}"/>
     <pc:docChg chg="undo custSel addSld modSld sldOrd">
-      <pc:chgData name="Philippe Baucour" userId="5102170ae7533958" providerId="LiveId" clId="{1527D352-431F-46B2-B7FF-4AE38ADEBEBC}" dt="2024-08-26T09:19:24.733" v="132" actId="20577"/>
+      <pc:chgData name="Philippe Baucour" userId="5102170ae7533958" providerId="LiveId" clId="{1527D352-431F-46B2-B7FF-4AE38ADEBEBC}" dt="2024-09-02T16:32:06.981" v="301" actId="20577"/>
       <pc:docMkLst>
         <pc:docMk/>
       </pc:docMkLst>
@@ -168,8 +168,8 @@
           </ac:spMkLst>
         </pc:spChg>
       </pc:sldChg>
-      <pc:sldChg chg="addSp modSp mod">
-        <pc:chgData name="Philippe Baucour" userId="5102170ae7533958" providerId="LiveId" clId="{1527D352-431F-46B2-B7FF-4AE38ADEBEBC}" dt="2024-08-20T13:32:14.809" v="75" actId="1036"/>
+      <pc:sldChg chg="addSp modSp mod modNotesTx">
+        <pc:chgData name="Philippe Baucour" userId="5102170ae7533958" providerId="LiveId" clId="{1527D352-431F-46B2-B7FF-4AE38ADEBEBC}" dt="2024-09-02T16:32:06.981" v="301" actId="20577"/>
         <pc:sldMkLst>
           <pc:docMk/>
           <pc:sldMk cId="1044313820" sldId="260"/>
@@ -293,7 +293,7 @@
           <a:p>
             <a:fld id="{FD1752CD-A7D2-4825-BC26-9DAEFBD0A5FF}" type="datetimeFigureOut">
               <a:rPr lang="fr-FR" smtClean="0"/>
-              <a:t>26/08/2024</a:t>
+              <a:t>02/09/2024</a:t>
             </a:fld>
             <a:endParaRPr lang="fr-FR"/>
           </a:p>
@@ -1310,11 +1310,11 @@
             </a:pPr>
             <a:r>
               <a:rPr lang="fr-FR" dirty="0"/>
-              <a:t>bien isolé chaque tâche (liste des </a:t>
+              <a:t>bien isoler les responsabilités de chaque tâche (liste des </a:t>
             </a:r>
             <a:r>
               <a:rPr lang="fr-FR" dirty="0" err="1"/>
-              <a:t>urles</a:t>
+              <a:t>urls</a:t>
             </a:r>
             <a:r>
               <a:rPr lang="fr-FR" dirty="0"/>
@@ -1353,6 +1353,28 @@
             <a:r>
               <a:rPr lang="fr-FR" dirty="0"/>
               <a:t> et la maintenance</a:t>
+            </a:r>
+          </a:p>
+          <a:p>
+            <a:pPr marL="228600" indent="-228600">
+              <a:buFont typeface="+mj-lt"/>
+              <a:buAutoNum type="arabicPeriod"/>
+            </a:pPr>
+            <a:r>
+              <a:rPr lang="fr-FR"/>
+              <a:t>on ne touchera </a:t>
+            </a:r>
+            <a:r>
+              <a:rPr lang="fr-FR" dirty="0"/>
+              <a:t>pas au scraper d'attribut si la page qui fait la liste des </a:t>
+            </a:r>
+            <a:r>
+              <a:rPr lang="fr-FR" dirty="0" err="1"/>
+              <a:t>hotels</a:t>
+            </a:r>
+            <a:r>
+              <a:rPr lang="fr-FR" dirty="0"/>
+              <a:t> est la seule à changer</a:t>
             </a:r>
           </a:p>
           <a:p>
@@ -1971,7 +1993,7 @@
           <a:p>
             <a:fld id="{7ECB9D5A-E5E4-41FE-AF39-634902D6D5D2}" type="datetimeFigureOut">
               <a:rPr lang="fr-FR" smtClean="0"/>
-              <a:t>26/08/2024</a:t>
+              <a:t>02/09/2024</a:t>
             </a:fld>
             <a:endParaRPr lang="fr-FR"/>
           </a:p>
@@ -2169,7 +2191,7 @@
           <a:p>
             <a:fld id="{7ECB9D5A-E5E4-41FE-AF39-634902D6D5D2}" type="datetimeFigureOut">
               <a:rPr lang="fr-FR" smtClean="0"/>
-              <a:t>26/08/2024</a:t>
+              <a:t>02/09/2024</a:t>
             </a:fld>
             <a:endParaRPr lang="fr-FR"/>
           </a:p>
@@ -2377,7 +2399,7 @@
           <a:p>
             <a:fld id="{7ECB9D5A-E5E4-41FE-AF39-634902D6D5D2}" type="datetimeFigureOut">
               <a:rPr lang="fr-FR" smtClean="0"/>
-              <a:t>26/08/2024</a:t>
+              <a:t>02/09/2024</a:t>
             </a:fld>
             <a:endParaRPr lang="fr-FR"/>
           </a:p>
@@ -2575,7 +2597,7 @@
           <a:p>
             <a:fld id="{7ECB9D5A-E5E4-41FE-AF39-634902D6D5D2}" type="datetimeFigureOut">
               <a:rPr lang="fr-FR" smtClean="0"/>
-              <a:t>26/08/2024</a:t>
+              <a:t>02/09/2024</a:t>
             </a:fld>
             <a:endParaRPr lang="fr-FR"/>
           </a:p>
@@ -2850,7 +2872,7 @@
           <a:p>
             <a:fld id="{7ECB9D5A-E5E4-41FE-AF39-634902D6D5D2}" type="datetimeFigureOut">
               <a:rPr lang="fr-FR" smtClean="0"/>
-              <a:t>26/08/2024</a:t>
+              <a:t>02/09/2024</a:t>
             </a:fld>
             <a:endParaRPr lang="fr-FR"/>
           </a:p>
@@ -3115,7 +3137,7 @@
           <a:p>
             <a:fld id="{7ECB9D5A-E5E4-41FE-AF39-634902D6D5D2}" type="datetimeFigureOut">
               <a:rPr lang="fr-FR" smtClean="0"/>
-              <a:t>26/08/2024</a:t>
+              <a:t>02/09/2024</a:t>
             </a:fld>
             <a:endParaRPr lang="fr-FR"/>
           </a:p>
@@ -3527,7 +3549,7 @@
           <a:p>
             <a:fld id="{7ECB9D5A-E5E4-41FE-AF39-634902D6D5D2}" type="datetimeFigureOut">
               <a:rPr lang="fr-FR" smtClean="0"/>
-              <a:t>26/08/2024</a:t>
+              <a:t>02/09/2024</a:t>
             </a:fld>
             <a:endParaRPr lang="fr-FR"/>
           </a:p>
@@ -3668,7 +3690,7 @@
           <a:p>
             <a:fld id="{7ECB9D5A-E5E4-41FE-AF39-634902D6D5D2}" type="datetimeFigureOut">
               <a:rPr lang="fr-FR" smtClean="0"/>
-              <a:t>26/08/2024</a:t>
+              <a:t>02/09/2024</a:t>
             </a:fld>
             <a:endParaRPr lang="fr-FR"/>
           </a:p>
@@ -3781,7 +3803,7 @@
           <a:p>
             <a:fld id="{7ECB9D5A-E5E4-41FE-AF39-634902D6D5D2}" type="datetimeFigureOut">
               <a:rPr lang="fr-FR" smtClean="0"/>
-              <a:t>26/08/2024</a:t>
+              <a:t>02/09/2024</a:t>
             </a:fld>
             <a:endParaRPr lang="fr-FR"/>
           </a:p>
@@ -4092,7 +4114,7 @@
           <a:p>
             <a:fld id="{7ECB9D5A-E5E4-41FE-AF39-634902D6D5D2}" type="datetimeFigureOut">
               <a:rPr lang="fr-FR" smtClean="0"/>
-              <a:t>26/08/2024</a:t>
+              <a:t>02/09/2024</a:t>
             </a:fld>
             <a:endParaRPr lang="fr-FR"/>
           </a:p>
@@ -4383,7 +4405,7 @@
           <a:p>
             <a:fld id="{7ECB9D5A-E5E4-41FE-AF39-634902D6D5D2}" type="datetimeFigureOut">
               <a:rPr lang="fr-FR" smtClean="0"/>
-              <a:t>26/08/2024</a:t>
+              <a:t>02/09/2024</a:t>
             </a:fld>
             <a:endParaRPr lang="fr-FR"/>
           </a:p>
@@ -4624,7 +4646,7 @@
           <a:p>
             <a:fld id="{7ECB9D5A-E5E4-41FE-AF39-634902D6D5D2}" type="datetimeFigureOut">
               <a:rPr lang="fr-FR" smtClean="0"/>
-              <a:t>26/08/2024</a:t>
+              <a:t>02/09/2024</a:t>
             </a:fld>
             <a:endParaRPr lang="fr-FR"/>
           </a:p>

--- a/03_data_collection/99_Project_Kayak/01_kayak_project.pptx
+++ b/03_data_collection/99_Project_Kayak/01_kayak_project.pptx
@@ -134,7 +134,7 @@
   <pc:docChgLst>
     <pc:chgData name="Philippe Baucour" userId="5102170ae7533958" providerId="LiveId" clId="{1527D352-431F-46B2-B7FF-4AE38ADEBEBC}"/>
     <pc:docChg chg="undo custSel addSld modSld sldOrd">
-      <pc:chgData name="Philippe Baucour" userId="5102170ae7533958" providerId="LiveId" clId="{1527D352-431F-46B2-B7FF-4AE38ADEBEBC}" dt="2024-09-02T16:32:06.981" v="301" actId="20577"/>
+      <pc:chgData name="Philippe Baucour" userId="5102170ae7533958" providerId="LiveId" clId="{1527D352-431F-46B2-B7FF-4AE38ADEBEBC}" dt="2024-09-04T14:17:27.639" v="303" actId="20577"/>
       <pc:docMkLst>
         <pc:docMk/>
       </pc:docMkLst>
@@ -153,8 +153,8 @@
           </ac:spMkLst>
         </pc:spChg>
       </pc:sldChg>
-      <pc:sldChg chg="modSp mod">
-        <pc:chgData name="Philippe Baucour" userId="5102170ae7533958" providerId="LiveId" clId="{1527D352-431F-46B2-B7FF-4AE38ADEBEBC}" dt="2024-08-26T09:19:24.733" v="132" actId="20577"/>
+      <pc:sldChg chg="modSp mod modNotesTx">
+        <pc:chgData name="Philippe Baucour" userId="5102170ae7533958" providerId="LiveId" clId="{1527D352-431F-46B2-B7FF-4AE38ADEBEBC}" dt="2024-09-04T14:14:40.383" v="302"/>
         <pc:sldMkLst>
           <pc:docMk/>
           <pc:sldMk cId="3201622378" sldId="257"/>
@@ -169,7 +169,7 @@
         </pc:spChg>
       </pc:sldChg>
       <pc:sldChg chg="addSp modSp mod modNotesTx">
-        <pc:chgData name="Philippe Baucour" userId="5102170ae7533958" providerId="LiveId" clId="{1527D352-431F-46B2-B7FF-4AE38ADEBEBC}" dt="2024-09-02T16:32:06.981" v="301" actId="20577"/>
+        <pc:chgData name="Philippe Baucour" userId="5102170ae7533958" providerId="LiveId" clId="{1527D352-431F-46B2-B7FF-4AE38ADEBEBC}" dt="2024-09-04T14:17:27.639" v="303" actId="20577"/>
         <pc:sldMkLst>
           <pc:docMk/>
           <pc:sldMk cId="1044313820" sldId="260"/>
@@ -293,7 +293,7 @@
           <a:p>
             <a:fld id="{FD1752CD-A7D2-4825-BC26-9DAEFBD0A5FF}" type="datetimeFigureOut">
               <a:rPr lang="fr-FR" smtClean="0"/>
-              <a:t>02/09/2024</a:t>
+              <a:t>04/09/2024</a:t>
             </a:fld>
             <a:endParaRPr lang="fr-FR"/>
           </a:p>
@@ -1301,6 +1301,10 @@
               <a:rPr lang="fr-FR" dirty="0" err="1"/>
               <a:t>scraping</a:t>
             </a:r>
+            <a:r>
+              <a:rPr lang="fr-FR"/>
+              <a:t>?</a:t>
+            </a:r>
             <a:endParaRPr lang="fr-FR" dirty="0"/>
           </a:p>
           <a:p>
@@ -1361,12 +1365,8 @@
               <a:buAutoNum type="arabicPeriod"/>
             </a:pPr>
             <a:r>
-              <a:rPr lang="fr-FR"/>
-              <a:t>on ne touchera </a:t>
-            </a:r>
-            <a:r>
               <a:rPr lang="fr-FR" dirty="0"/>
-              <a:t>pas au scraper d'attribut si la page qui fait la liste des </a:t>
+              <a:t>on ne touchera pas au scraper d'attribut si la page qui fait la liste des </a:t>
             </a:r>
             <a:r>
               <a:rPr lang="fr-FR" dirty="0" err="1"/>
@@ -1837,6 +1837,147 @@
     <p:extLst>
       <p:ext uri="{BB962C8B-B14F-4D97-AF65-F5344CB8AC3E}">
         <p14:creationId xmlns:p14="http://schemas.microsoft.com/office/powerpoint/2010/main" val="564167435"/>
+      </p:ext>
+    </p:extLst>
+  </p:cSld>
+  <p:clrMapOvr>
+    <a:masterClrMapping/>
+  </p:clrMapOvr>
+</p:notes>
+</file>
+
+<file path=ppt/notesSlides/notesSlide5.xml><?xml version="1.0" encoding="utf-8"?>
+<p:notes xmlns:a="http://schemas.openxmlformats.org/drawingml/2006/main" xmlns:r="http://schemas.openxmlformats.org/officeDocument/2006/relationships" xmlns:p="http://schemas.openxmlformats.org/presentationml/2006/main">
+  <p:cSld>
+    <p:spTree>
+      <p:nvGrpSpPr>
+        <p:cNvPr id="1" name=""/>
+        <p:cNvGrpSpPr/>
+        <p:nvPr/>
+      </p:nvGrpSpPr>
+      <p:grpSpPr>
+        <a:xfrm>
+          <a:off x="0" y="0"/>
+          <a:ext cx="0" cy="0"/>
+          <a:chOff x="0" y="0"/>
+          <a:chExt cx="0" cy="0"/>
+        </a:xfrm>
+      </p:grpSpPr>
+      <p:sp>
+        <p:nvSpPr>
+          <p:cNvPr id="2" name="Espace réservé de l'image des diapositives 1"/>
+          <p:cNvSpPr>
+            <a:spLocks noGrp="1" noRot="1" noChangeAspect="1"/>
+          </p:cNvSpPr>
+          <p:nvPr>
+            <p:ph type="sldImg"/>
+          </p:nvPr>
+        </p:nvSpPr>
+        <p:spPr/>
+      </p:sp>
+      <p:sp>
+        <p:nvSpPr>
+          <p:cNvPr id="3" name="Espace réservé des notes 2"/>
+          <p:cNvSpPr>
+            <a:spLocks noGrp="1"/>
+          </p:cNvSpPr>
+          <p:nvPr>
+            <p:ph type="body" idx="1"/>
+          </p:nvPr>
+        </p:nvSpPr>
+        <p:spPr/>
+        <p:txBody>
+          <a:bodyPr/>
+          <a:lstStyle/>
+          <a:p>
+            <a:r>
+              <a:rPr lang="en-US" dirty="0"/>
+              <a:t>EDA                     	: The recipe</a:t>
+            </a:r>
+          </a:p>
+          <a:p>
+            <a:r>
+              <a:rPr lang="en-US" dirty="0"/>
+              <a:t>Features Engineering	: The secret sauce</a:t>
+            </a:r>
+          </a:p>
+          <a:p>
+            <a:r>
+              <a:rPr lang="en-US" dirty="0"/>
+              <a:t>Baseline model          	: The first taste</a:t>
+            </a:r>
+          </a:p>
+          <a:p>
+            <a:r>
+              <a:rPr lang="en-US" dirty="0"/>
+              <a:t>Interpreting results    	: The tasting notes</a:t>
+            </a:r>
+          </a:p>
+          <a:p>
+            <a:endParaRPr lang="en-US" dirty="0"/>
+          </a:p>
+          <a:p>
+            <a:r>
+              <a:rPr lang="en-US" dirty="0"/>
+              <a:t>Don't mess with EDA     	: Never!</a:t>
+            </a:r>
+          </a:p>
+          <a:p>
+            <a:r>
+              <a:rPr lang="en-US" dirty="0"/>
+              <a:t>Feature engineering	: Smart!</a:t>
+            </a:r>
+          </a:p>
+          <a:p>
+            <a:r>
+              <a:rPr lang="en-US" dirty="0"/>
+              <a:t>Get a baseline model    	: Fast!</a:t>
+            </a:r>
+          </a:p>
+          <a:p>
+            <a:r>
+              <a:rPr lang="en-US" dirty="0"/>
+              <a:t>Results analysis        	: Always! </a:t>
+            </a:r>
+          </a:p>
+          <a:p>
+            <a:endParaRPr lang="en-US" dirty="0"/>
+          </a:p>
+          <a:p>
+            <a:endParaRPr lang="fr-FR" dirty="0"/>
+          </a:p>
+          <a:p>
+            <a:endParaRPr lang="fr-FR" dirty="0"/>
+          </a:p>
+        </p:txBody>
+      </p:sp>
+      <p:sp>
+        <p:nvSpPr>
+          <p:cNvPr id="4" name="Espace réservé du numéro de diapositive 3"/>
+          <p:cNvSpPr>
+            <a:spLocks noGrp="1"/>
+          </p:cNvSpPr>
+          <p:nvPr>
+            <p:ph type="sldNum" sz="quarter" idx="5"/>
+          </p:nvPr>
+        </p:nvSpPr>
+        <p:spPr/>
+        <p:txBody>
+          <a:bodyPr/>
+          <a:lstStyle/>
+          <a:p>
+            <a:fld id="{341AEC00-4977-4C47-A11B-52155DC12F54}" type="slidenum">
+              <a:rPr lang="fr-FR" smtClean="0"/>
+              <a:t>6</a:t>
+            </a:fld>
+            <a:endParaRPr lang="fr-FR"/>
+          </a:p>
+        </p:txBody>
+      </p:sp>
+    </p:spTree>
+    <p:extLst>
+      <p:ext uri="{BB962C8B-B14F-4D97-AF65-F5344CB8AC3E}">
+        <p14:creationId xmlns:p14="http://schemas.microsoft.com/office/powerpoint/2010/main" val="3001556924"/>
       </p:ext>
     </p:extLst>
   </p:cSld>
@@ -1993,7 +2134,7 @@
           <a:p>
             <a:fld id="{7ECB9D5A-E5E4-41FE-AF39-634902D6D5D2}" type="datetimeFigureOut">
               <a:rPr lang="fr-FR" smtClean="0"/>
-              <a:t>02/09/2024</a:t>
+              <a:t>04/09/2024</a:t>
             </a:fld>
             <a:endParaRPr lang="fr-FR"/>
           </a:p>
@@ -2191,7 +2332,7 @@
           <a:p>
             <a:fld id="{7ECB9D5A-E5E4-41FE-AF39-634902D6D5D2}" type="datetimeFigureOut">
               <a:rPr lang="fr-FR" smtClean="0"/>
-              <a:t>02/09/2024</a:t>
+              <a:t>04/09/2024</a:t>
             </a:fld>
             <a:endParaRPr lang="fr-FR"/>
           </a:p>
@@ -2399,7 +2540,7 @@
           <a:p>
             <a:fld id="{7ECB9D5A-E5E4-41FE-AF39-634902D6D5D2}" type="datetimeFigureOut">
               <a:rPr lang="fr-FR" smtClean="0"/>
-              <a:t>02/09/2024</a:t>
+              <a:t>04/09/2024</a:t>
             </a:fld>
             <a:endParaRPr lang="fr-FR"/>
           </a:p>
@@ -2597,7 +2738,7 @@
           <a:p>
             <a:fld id="{7ECB9D5A-E5E4-41FE-AF39-634902D6D5D2}" type="datetimeFigureOut">
               <a:rPr lang="fr-FR" smtClean="0"/>
-              <a:t>02/09/2024</a:t>
+              <a:t>04/09/2024</a:t>
             </a:fld>
             <a:endParaRPr lang="fr-FR"/>
           </a:p>
@@ -2872,7 +3013,7 @@
           <a:p>
             <a:fld id="{7ECB9D5A-E5E4-41FE-AF39-634902D6D5D2}" type="datetimeFigureOut">
               <a:rPr lang="fr-FR" smtClean="0"/>
-              <a:t>02/09/2024</a:t>
+              <a:t>04/09/2024</a:t>
             </a:fld>
             <a:endParaRPr lang="fr-FR"/>
           </a:p>
@@ -3137,7 +3278,7 @@
           <a:p>
             <a:fld id="{7ECB9D5A-E5E4-41FE-AF39-634902D6D5D2}" type="datetimeFigureOut">
               <a:rPr lang="fr-FR" smtClean="0"/>
-              <a:t>02/09/2024</a:t>
+              <a:t>04/09/2024</a:t>
             </a:fld>
             <a:endParaRPr lang="fr-FR"/>
           </a:p>
@@ -3549,7 +3690,7 @@
           <a:p>
             <a:fld id="{7ECB9D5A-E5E4-41FE-AF39-634902D6D5D2}" type="datetimeFigureOut">
               <a:rPr lang="fr-FR" smtClean="0"/>
-              <a:t>02/09/2024</a:t>
+              <a:t>04/09/2024</a:t>
             </a:fld>
             <a:endParaRPr lang="fr-FR"/>
           </a:p>
@@ -3690,7 +3831,7 @@
           <a:p>
             <a:fld id="{7ECB9D5A-E5E4-41FE-AF39-634902D6D5D2}" type="datetimeFigureOut">
               <a:rPr lang="fr-FR" smtClean="0"/>
-              <a:t>02/09/2024</a:t>
+              <a:t>04/09/2024</a:t>
             </a:fld>
             <a:endParaRPr lang="fr-FR"/>
           </a:p>
@@ -3803,7 +3944,7 @@
           <a:p>
             <a:fld id="{7ECB9D5A-E5E4-41FE-AF39-634902D6D5D2}" type="datetimeFigureOut">
               <a:rPr lang="fr-FR" smtClean="0"/>
-              <a:t>02/09/2024</a:t>
+              <a:t>04/09/2024</a:t>
             </a:fld>
             <a:endParaRPr lang="fr-FR"/>
           </a:p>
@@ -4114,7 +4255,7 @@
           <a:p>
             <a:fld id="{7ECB9D5A-E5E4-41FE-AF39-634902D6D5D2}" type="datetimeFigureOut">
               <a:rPr lang="fr-FR" smtClean="0"/>
-              <a:t>02/09/2024</a:t>
+              <a:t>04/09/2024</a:t>
             </a:fld>
             <a:endParaRPr lang="fr-FR"/>
           </a:p>
@@ -4405,7 +4546,7 @@
           <a:p>
             <a:fld id="{7ECB9D5A-E5E4-41FE-AF39-634902D6D5D2}" type="datetimeFigureOut">
               <a:rPr lang="fr-FR" smtClean="0"/>
-              <a:t>02/09/2024</a:t>
+              <a:t>04/09/2024</a:t>
             </a:fld>
             <a:endParaRPr lang="fr-FR"/>
           </a:p>
@@ -4646,7 +4787,7 @@
           <a:p>
             <a:fld id="{7ECB9D5A-E5E4-41FE-AF39-634902D6D5D2}" type="datetimeFigureOut">
               <a:rPr lang="fr-FR" smtClean="0"/>
-              <a:t>02/09/2024</a:t>
+              <a:t>04/09/2024</a:t>
             </a:fld>
             <a:endParaRPr lang="fr-FR"/>
           </a:p>
